--- a/Helper.pptx
+++ b/Helper.pptx
@@ -6,6 +6,9 @@
   </p:sldMasterIdLst>
   <p:sldIdLst>
     <p:sldId id="256" r:id="rId2"/>
+    <p:sldId id="257" r:id="rId3"/>
+    <p:sldId id="258" r:id="rId4"/>
+    <p:sldId id="259" r:id="rId5"/>
   </p:sldIdLst>
   <p:sldSz cx="12192000" cy="6858000"/>
   <p:notesSz cx="6858000" cy="9144000"/>
@@ -104,6 +107,11 @@
       </a:defRPr>
     </a:lvl9pPr>
   </p:defaultTextStyle>
+  <p:extLst>
+    <p:ext uri="{EFAFB233-063F-42B5-8137-9DF3F51BA10A}">
+      <p15:sldGuideLst xmlns:p15="http://schemas.microsoft.com/office/powerpoint/2012/main"/>
+    </p:ext>
+  </p:extLst>
 </p:presentation>
 </file>
 
@@ -4368,6 +4376,2240 @@
     <p:extLst>
       <p:ext uri="{BB962C8B-B14F-4D97-AF65-F5344CB8AC3E}">
         <p14:creationId xmlns:p14="http://schemas.microsoft.com/office/powerpoint/2010/main" val="2689206527"/>
+      </p:ext>
+    </p:extLst>
+  </p:cSld>
+  <p:clrMapOvr>
+    <a:masterClrMapping/>
+  </p:clrMapOvr>
+</p:sld>
+</file>
+
+<file path=ppt/slides/slide2.xml><?xml version="1.0" encoding="utf-8"?>
+<p:sld xmlns:a="http://schemas.openxmlformats.org/drawingml/2006/main" xmlns:r="http://schemas.openxmlformats.org/officeDocument/2006/relationships" xmlns:p="http://schemas.openxmlformats.org/presentationml/2006/main">
+  <p:cSld>
+    <p:spTree>
+      <p:nvGrpSpPr>
+        <p:cNvPr id="1" name=""/>
+        <p:cNvGrpSpPr/>
+        <p:nvPr/>
+      </p:nvGrpSpPr>
+      <p:grpSpPr>
+        <a:xfrm>
+          <a:off x="0" y="0"/>
+          <a:ext cx="0" cy="0"/>
+          <a:chOff x="0" y="0"/>
+          <a:chExt cx="0" cy="0"/>
+        </a:xfrm>
+      </p:grpSpPr>
+      <p:sp>
+        <p:nvSpPr>
+          <p:cNvPr id="4" name="Rectangle 3">
+            <a:extLst>
+              <a:ext uri="{FF2B5EF4-FFF2-40B4-BE49-F238E27FC236}">
+                <a16:creationId xmlns:a16="http://schemas.microsoft.com/office/drawing/2014/main" id="{8E1FB9B4-FBD9-DAA2-986C-A5EE157FACA9}"/>
+              </a:ext>
+            </a:extLst>
+          </p:cNvPr>
+          <p:cNvSpPr/>
+          <p:nvPr/>
+        </p:nvSpPr>
+        <p:spPr>
+          <a:xfrm>
+            <a:off x="1589420" y="2261798"/>
+            <a:ext cx="2295205" cy="3160510"/>
+          </a:xfrm>
+          <a:prstGeom prst="rect">
+            <a:avLst/>
+          </a:prstGeom>
+          <a:noFill/>
+          <a:ln>
+            <a:solidFill>
+              <a:schemeClr val="tx1"/>
+            </a:solidFill>
+          </a:ln>
+        </p:spPr>
+        <p:style>
+          <a:lnRef idx="2">
+            <a:schemeClr val="accent1">
+              <a:shade val="15000"/>
+            </a:schemeClr>
+          </a:lnRef>
+          <a:fillRef idx="1">
+            <a:schemeClr val="accent1"/>
+          </a:fillRef>
+          <a:effectRef idx="0">
+            <a:schemeClr val="accent1"/>
+          </a:effectRef>
+          <a:fontRef idx="minor">
+            <a:schemeClr val="lt1"/>
+          </a:fontRef>
+        </p:style>
+        <p:txBody>
+          <a:bodyPr rtlCol="0" anchor="ctr"/>
+          <a:lstStyle/>
+          <a:p>
+            <a:pPr algn="ctr"/>
+            <a:endParaRPr lang="en-US"/>
+          </a:p>
+        </p:txBody>
+      </p:sp>
+      <p:cxnSp>
+        <p:nvCxnSpPr>
+          <p:cNvPr id="7" name="Straight Connector 6">
+            <a:extLst>
+              <a:ext uri="{FF2B5EF4-FFF2-40B4-BE49-F238E27FC236}">
+                <a16:creationId xmlns:a16="http://schemas.microsoft.com/office/drawing/2014/main" id="{02A461C3-11F4-2B1E-4D77-DD7C4519B68D}"/>
+              </a:ext>
+            </a:extLst>
+          </p:cNvPr>
+          <p:cNvCxnSpPr>
+            <a:cxnSpLocks/>
+          </p:cNvCxnSpPr>
+          <p:nvPr/>
+        </p:nvCxnSpPr>
+        <p:spPr>
+          <a:xfrm>
+            <a:off x="1595232" y="5422308"/>
+            <a:ext cx="0" cy="596987"/>
+          </a:xfrm>
+          <a:prstGeom prst="line">
+            <a:avLst/>
+          </a:prstGeom>
+          <a:ln/>
+        </p:spPr>
+        <p:style>
+          <a:lnRef idx="1">
+            <a:schemeClr val="dk1"/>
+          </a:lnRef>
+          <a:fillRef idx="0">
+            <a:schemeClr val="dk1"/>
+          </a:fillRef>
+          <a:effectRef idx="0">
+            <a:schemeClr val="dk1"/>
+          </a:effectRef>
+          <a:fontRef idx="minor">
+            <a:schemeClr val="tx1"/>
+          </a:fontRef>
+        </p:style>
+      </p:cxnSp>
+      <p:cxnSp>
+        <p:nvCxnSpPr>
+          <p:cNvPr id="9" name="Straight Connector 8">
+            <a:extLst>
+              <a:ext uri="{FF2B5EF4-FFF2-40B4-BE49-F238E27FC236}">
+                <a16:creationId xmlns:a16="http://schemas.microsoft.com/office/drawing/2014/main" id="{58B162EE-DF83-6794-F23C-00512B919EAD}"/>
+              </a:ext>
+            </a:extLst>
+          </p:cNvPr>
+          <p:cNvCxnSpPr>
+            <a:cxnSpLocks/>
+          </p:cNvCxnSpPr>
+          <p:nvPr/>
+        </p:nvCxnSpPr>
+        <p:spPr>
+          <a:xfrm>
+            <a:off x="3884625" y="5422308"/>
+            <a:ext cx="0" cy="596987"/>
+          </a:xfrm>
+          <a:prstGeom prst="line">
+            <a:avLst/>
+          </a:prstGeom>
+          <a:ln/>
+        </p:spPr>
+        <p:style>
+          <a:lnRef idx="1">
+            <a:schemeClr val="dk1"/>
+          </a:lnRef>
+          <a:fillRef idx="0">
+            <a:schemeClr val="dk1"/>
+          </a:fillRef>
+          <a:effectRef idx="0">
+            <a:schemeClr val="dk1"/>
+          </a:effectRef>
+          <a:fontRef idx="minor">
+            <a:schemeClr val="tx1"/>
+          </a:fontRef>
+        </p:style>
+      </p:cxnSp>
+      <p:cxnSp>
+        <p:nvCxnSpPr>
+          <p:cNvPr id="10" name="Straight Connector 9">
+            <a:extLst>
+              <a:ext uri="{FF2B5EF4-FFF2-40B4-BE49-F238E27FC236}">
+                <a16:creationId xmlns:a16="http://schemas.microsoft.com/office/drawing/2014/main" id="{A992FA15-9994-713E-6371-C84E7A384B83}"/>
+              </a:ext>
+            </a:extLst>
+          </p:cNvPr>
+          <p:cNvCxnSpPr>
+            <a:cxnSpLocks/>
+          </p:cNvCxnSpPr>
+          <p:nvPr/>
+        </p:nvCxnSpPr>
+        <p:spPr>
+          <a:xfrm>
+            <a:off x="3884625" y="5422308"/>
+            <a:ext cx="862988" cy="0"/>
+          </a:xfrm>
+          <a:prstGeom prst="line">
+            <a:avLst/>
+          </a:prstGeom>
+          <a:ln/>
+        </p:spPr>
+        <p:style>
+          <a:lnRef idx="1">
+            <a:schemeClr val="dk1"/>
+          </a:lnRef>
+          <a:fillRef idx="0">
+            <a:schemeClr val="dk1"/>
+          </a:fillRef>
+          <a:effectRef idx="0">
+            <a:schemeClr val="dk1"/>
+          </a:effectRef>
+          <a:fontRef idx="minor">
+            <a:schemeClr val="tx1"/>
+          </a:fontRef>
+        </p:style>
+      </p:cxnSp>
+      <p:cxnSp>
+        <p:nvCxnSpPr>
+          <p:cNvPr id="13" name="Straight Connector 12">
+            <a:extLst>
+              <a:ext uri="{FF2B5EF4-FFF2-40B4-BE49-F238E27FC236}">
+                <a16:creationId xmlns:a16="http://schemas.microsoft.com/office/drawing/2014/main" id="{9029B279-F8FD-0018-9C98-6794586D6434}"/>
+              </a:ext>
+            </a:extLst>
+          </p:cNvPr>
+          <p:cNvCxnSpPr>
+            <a:cxnSpLocks/>
+          </p:cNvCxnSpPr>
+          <p:nvPr/>
+        </p:nvCxnSpPr>
+        <p:spPr>
+          <a:xfrm>
+            <a:off x="3884625" y="2261798"/>
+            <a:ext cx="862988" cy="0"/>
+          </a:xfrm>
+          <a:prstGeom prst="line">
+            <a:avLst/>
+          </a:prstGeom>
+          <a:ln/>
+        </p:spPr>
+        <p:style>
+          <a:lnRef idx="1">
+            <a:schemeClr val="dk1"/>
+          </a:lnRef>
+          <a:fillRef idx="0">
+            <a:schemeClr val="dk1"/>
+          </a:fillRef>
+          <a:effectRef idx="0">
+            <a:schemeClr val="dk1"/>
+          </a:effectRef>
+          <a:fontRef idx="minor">
+            <a:schemeClr val="tx1"/>
+          </a:fontRef>
+        </p:style>
+      </p:cxnSp>
+      <p:cxnSp>
+        <p:nvCxnSpPr>
+          <p:cNvPr id="15" name="Straight Arrow Connector 14">
+            <a:extLst>
+              <a:ext uri="{FF2B5EF4-FFF2-40B4-BE49-F238E27FC236}">
+                <a16:creationId xmlns:a16="http://schemas.microsoft.com/office/drawing/2014/main" id="{98FD65C7-37B1-59F3-695B-7C51323BF32E}"/>
+              </a:ext>
+            </a:extLst>
+          </p:cNvPr>
+          <p:cNvCxnSpPr/>
+          <p:nvPr/>
+        </p:nvCxnSpPr>
+        <p:spPr>
+          <a:xfrm>
+            <a:off x="4517499" y="2261798"/>
+            <a:ext cx="0" cy="3160510"/>
+          </a:xfrm>
+          <a:prstGeom prst="straightConnector1">
+            <a:avLst/>
+          </a:prstGeom>
+          <a:ln>
+            <a:solidFill>
+              <a:schemeClr val="tx1"/>
+            </a:solidFill>
+            <a:headEnd type="triangle"/>
+            <a:tailEnd type="triangle"/>
+          </a:ln>
+        </p:spPr>
+        <p:style>
+          <a:lnRef idx="2">
+            <a:schemeClr val="accent1"/>
+          </a:lnRef>
+          <a:fillRef idx="0">
+            <a:schemeClr val="accent1"/>
+          </a:fillRef>
+          <a:effectRef idx="1">
+            <a:schemeClr val="accent1"/>
+          </a:effectRef>
+          <a:fontRef idx="minor">
+            <a:schemeClr val="tx1"/>
+          </a:fontRef>
+        </p:style>
+      </p:cxnSp>
+      <p:cxnSp>
+        <p:nvCxnSpPr>
+          <p:cNvPr id="17" name="Straight Arrow Connector 16">
+            <a:extLst>
+              <a:ext uri="{FF2B5EF4-FFF2-40B4-BE49-F238E27FC236}">
+                <a16:creationId xmlns:a16="http://schemas.microsoft.com/office/drawing/2014/main" id="{0F89A33F-85C1-55C7-84DC-22521BEF663A}"/>
+              </a:ext>
+            </a:extLst>
+          </p:cNvPr>
+          <p:cNvCxnSpPr/>
+          <p:nvPr/>
+        </p:nvCxnSpPr>
+        <p:spPr>
+          <a:xfrm>
+            <a:off x="1589420" y="5880016"/>
+            <a:ext cx="2295205" cy="0"/>
+          </a:xfrm>
+          <a:prstGeom prst="straightConnector1">
+            <a:avLst/>
+          </a:prstGeom>
+          <a:ln>
+            <a:solidFill>
+              <a:schemeClr val="tx1"/>
+            </a:solidFill>
+            <a:headEnd type="triangle"/>
+            <a:tailEnd type="triangle"/>
+          </a:ln>
+        </p:spPr>
+        <p:style>
+          <a:lnRef idx="2">
+            <a:schemeClr val="accent1"/>
+          </a:lnRef>
+          <a:fillRef idx="0">
+            <a:schemeClr val="accent1"/>
+          </a:fillRef>
+          <a:effectRef idx="1">
+            <a:schemeClr val="accent1"/>
+          </a:effectRef>
+          <a:fontRef idx="minor">
+            <a:schemeClr val="tx1"/>
+          </a:fontRef>
+        </p:style>
+      </p:cxnSp>
+      <p:sp>
+        <p:nvSpPr>
+          <p:cNvPr id="18" name="TextBox 17">
+            <a:extLst>
+              <a:ext uri="{FF2B5EF4-FFF2-40B4-BE49-F238E27FC236}">
+                <a16:creationId xmlns:a16="http://schemas.microsoft.com/office/drawing/2014/main" id="{1AD390F7-A118-DFFC-A3B2-C1FF5A8ECAC2}"/>
+              </a:ext>
+            </a:extLst>
+          </p:cNvPr>
+          <p:cNvSpPr txBox="1"/>
+          <p:nvPr/>
+        </p:nvSpPr>
+        <p:spPr>
+          <a:xfrm>
+            <a:off x="2404143" y="5489968"/>
+            <a:ext cx="724878" cy="461665"/>
+          </a:xfrm>
+          <a:prstGeom prst="rect">
+            <a:avLst/>
+          </a:prstGeom>
+          <a:noFill/>
+        </p:spPr>
+        <p:txBody>
+          <a:bodyPr wrap="none" rtlCol="0">
+            <a:spAutoFit/>
+          </a:bodyPr>
+          <a:lstStyle/>
+          <a:p>
+            <a:pPr algn="ctr"/>
+            <a:r>
+              <a:rPr lang="en-US" sz="1200" dirty="0"/>
+              <a:t>162 mm</a:t>
+            </a:r>
+          </a:p>
+          <a:p>
+            <a:pPr algn="ctr"/>
+            <a:r>
+              <a:rPr lang="en-US" sz="1200" dirty="0"/>
+              <a:t>6.38”</a:t>
+            </a:r>
+          </a:p>
+        </p:txBody>
+      </p:sp>
+      <p:sp>
+        <p:nvSpPr>
+          <p:cNvPr id="19" name="TextBox 18">
+            <a:extLst>
+              <a:ext uri="{FF2B5EF4-FFF2-40B4-BE49-F238E27FC236}">
+                <a16:creationId xmlns:a16="http://schemas.microsoft.com/office/drawing/2014/main" id="{94FBB989-61E2-21ED-7D54-7367CE049234}"/>
+              </a:ext>
+            </a:extLst>
+          </p:cNvPr>
+          <p:cNvSpPr txBox="1"/>
+          <p:nvPr/>
+        </p:nvSpPr>
+        <p:spPr>
+          <a:xfrm rot="16200000">
+            <a:off x="3965893" y="3560606"/>
+            <a:ext cx="724878" cy="461665"/>
+          </a:xfrm>
+          <a:prstGeom prst="rect">
+            <a:avLst/>
+          </a:prstGeom>
+          <a:noFill/>
+        </p:spPr>
+        <p:txBody>
+          <a:bodyPr wrap="none" rtlCol="0">
+            <a:spAutoFit/>
+          </a:bodyPr>
+          <a:lstStyle/>
+          <a:p>
+            <a:pPr algn="ctr"/>
+            <a:r>
+              <a:rPr lang="en-US" sz="1200" dirty="0"/>
+              <a:t>205 mm</a:t>
+            </a:r>
+          </a:p>
+          <a:p>
+            <a:pPr algn="ctr"/>
+            <a:r>
+              <a:rPr lang="en-US" sz="1200" dirty="0"/>
+              <a:t>8.07”</a:t>
+            </a:r>
+          </a:p>
+        </p:txBody>
+      </p:sp>
+      <p:sp>
+        <p:nvSpPr>
+          <p:cNvPr id="48" name="TextBox 47">
+            <a:extLst>
+              <a:ext uri="{FF2B5EF4-FFF2-40B4-BE49-F238E27FC236}">
+                <a16:creationId xmlns:a16="http://schemas.microsoft.com/office/drawing/2014/main" id="{ABA7F08C-5EFC-5224-DE3F-1FC4A5725150}"/>
+              </a:ext>
+            </a:extLst>
+          </p:cNvPr>
+          <p:cNvSpPr txBox="1"/>
+          <p:nvPr/>
+        </p:nvSpPr>
+        <p:spPr>
+          <a:xfrm>
+            <a:off x="2414658" y="1035542"/>
+            <a:ext cx="714363" cy="369332"/>
+          </a:xfrm>
+          <a:prstGeom prst="rect">
+            <a:avLst/>
+          </a:prstGeom>
+          <a:noFill/>
+        </p:spPr>
+        <p:txBody>
+          <a:bodyPr wrap="none" rtlCol="0">
+            <a:spAutoFit/>
+          </a:bodyPr>
+          <a:lstStyle/>
+          <a:p>
+            <a:r>
+              <a:rPr lang="en-US" dirty="0"/>
+              <a:t>Word</a:t>
+            </a:r>
+          </a:p>
+        </p:txBody>
+      </p:sp>
+      <p:pic>
+        <p:nvPicPr>
+          <p:cNvPr id="3" name="Picture 2">
+            <a:extLst>
+              <a:ext uri="{FF2B5EF4-FFF2-40B4-BE49-F238E27FC236}">
+                <a16:creationId xmlns:a16="http://schemas.microsoft.com/office/drawing/2014/main" id="{BCBFC587-CCA1-39E2-6FE1-399E9DFD60F2}"/>
+              </a:ext>
+            </a:extLst>
+          </p:cNvPr>
+          <p:cNvPicPr>
+            <a:picLocks noChangeAspect="1"/>
+          </p:cNvPicPr>
+          <p:nvPr/>
+        </p:nvPicPr>
+        <p:blipFill>
+          <a:blip r:embed="rId2"/>
+          <a:stretch>
+            <a:fillRect/>
+          </a:stretch>
+        </p:blipFill>
+        <p:spPr>
+          <a:xfrm>
+            <a:off x="4829095" y="2492783"/>
+            <a:ext cx="2841104" cy="3084785"/>
+          </a:xfrm>
+          <a:prstGeom prst="rect">
+            <a:avLst/>
+          </a:prstGeom>
+        </p:spPr>
+      </p:pic>
+      <p:pic>
+        <p:nvPicPr>
+          <p:cNvPr id="5" name="Picture 4">
+            <a:extLst>
+              <a:ext uri="{FF2B5EF4-FFF2-40B4-BE49-F238E27FC236}">
+                <a16:creationId xmlns:a16="http://schemas.microsoft.com/office/drawing/2014/main" id="{3A035143-E6B5-5666-6FF6-36852666C94B}"/>
+              </a:ext>
+            </a:extLst>
+          </p:cNvPr>
+          <p:cNvPicPr>
+            <a:picLocks noChangeAspect="1"/>
+          </p:cNvPicPr>
+          <p:nvPr/>
+        </p:nvPicPr>
+        <p:blipFill>
+          <a:blip r:embed="rId3"/>
+          <a:stretch>
+            <a:fillRect/>
+          </a:stretch>
+        </p:blipFill>
+        <p:spPr>
+          <a:xfrm>
+            <a:off x="4794499" y="70552"/>
+            <a:ext cx="5105616" cy="2299312"/>
+          </a:xfrm>
+          <a:prstGeom prst="rect">
+            <a:avLst/>
+          </a:prstGeom>
+        </p:spPr>
+      </p:pic>
+    </p:spTree>
+    <p:extLst>
+      <p:ext uri="{BB962C8B-B14F-4D97-AF65-F5344CB8AC3E}">
+        <p14:creationId xmlns:p14="http://schemas.microsoft.com/office/powerpoint/2010/main" val="2282207788"/>
+      </p:ext>
+    </p:extLst>
+  </p:cSld>
+  <p:clrMapOvr>
+    <a:masterClrMapping/>
+  </p:clrMapOvr>
+</p:sld>
+</file>
+
+<file path=ppt/slides/slide3.xml><?xml version="1.0" encoding="utf-8"?>
+<p:sld xmlns:a="http://schemas.openxmlformats.org/drawingml/2006/main" xmlns:r="http://schemas.openxmlformats.org/officeDocument/2006/relationships" xmlns:p="http://schemas.openxmlformats.org/presentationml/2006/main">
+  <p:cSld>
+    <p:spTree>
+      <p:nvGrpSpPr>
+        <p:cNvPr id="1" name=""/>
+        <p:cNvGrpSpPr/>
+        <p:nvPr/>
+      </p:nvGrpSpPr>
+      <p:grpSpPr>
+        <a:xfrm>
+          <a:off x="0" y="0"/>
+          <a:ext cx="0" cy="0"/>
+          <a:chOff x="0" y="0"/>
+          <a:chExt cx="0" cy="0"/>
+        </a:xfrm>
+      </p:grpSpPr>
+      <p:sp>
+        <p:nvSpPr>
+          <p:cNvPr id="4" name="Rectangle 3">
+            <a:extLst>
+              <a:ext uri="{FF2B5EF4-FFF2-40B4-BE49-F238E27FC236}">
+                <a16:creationId xmlns:a16="http://schemas.microsoft.com/office/drawing/2014/main" id="{8E1FB9B4-FBD9-DAA2-986C-A5EE157FACA9}"/>
+              </a:ext>
+            </a:extLst>
+          </p:cNvPr>
+          <p:cNvSpPr/>
+          <p:nvPr/>
+        </p:nvSpPr>
+        <p:spPr>
+          <a:xfrm>
+            <a:off x="317212" y="2202163"/>
+            <a:ext cx="2295205" cy="3160510"/>
+          </a:xfrm>
+          <a:prstGeom prst="rect">
+            <a:avLst/>
+          </a:prstGeom>
+          <a:noFill/>
+          <a:ln>
+            <a:solidFill>
+              <a:schemeClr val="tx1"/>
+            </a:solidFill>
+          </a:ln>
+        </p:spPr>
+        <p:style>
+          <a:lnRef idx="2">
+            <a:schemeClr val="accent1">
+              <a:shade val="15000"/>
+            </a:schemeClr>
+          </a:lnRef>
+          <a:fillRef idx="1">
+            <a:schemeClr val="accent1"/>
+          </a:fillRef>
+          <a:effectRef idx="0">
+            <a:schemeClr val="accent1"/>
+          </a:effectRef>
+          <a:fontRef idx="minor">
+            <a:schemeClr val="lt1"/>
+          </a:fontRef>
+        </p:style>
+        <p:txBody>
+          <a:bodyPr rtlCol="0" anchor="ctr"/>
+          <a:lstStyle/>
+          <a:p>
+            <a:pPr algn="ctr"/>
+            <a:endParaRPr lang="en-US"/>
+          </a:p>
+        </p:txBody>
+      </p:sp>
+      <p:cxnSp>
+        <p:nvCxnSpPr>
+          <p:cNvPr id="7" name="Straight Connector 6">
+            <a:extLst>
+              <a:ext uri="{FF2B5EF4-FFF2-40B4-BE49-F238E27FC236}">
+                <a16:creationId xmlns:a16="http://schemas.microsoft.com/office/drawing/2014/main" id="{02A461C3-11F4-2B1E-4D77-DD7C4519B68D}"/>
+              </a:ext>
+            </a:extLst>
+          </p:cNvPr>
+          <p:cNvCxnSpPr>
+            <a:cxnSpLocks/>
+          </p:cNvCxnSpPr>
+          <p:nvPr/>
+        </p:nvCxnSpPr>
+        <p:spPr>
+          <a:xfrm>
+            <a:off x="323024" y="5362673"/>
+            <a:ext cx="0" cy="596987"/>
+          </a:xfrm>
+          <a:prstGeom prst="line">
+            <a:avLst/>
+          </a:prstGeom>
+          <a:ln/>
+        </p:spPr>
+        <p:style>
+          <a:lnRef idx="1">
+            <a:schemeClr val="dk1"/>
+          </a:lnRef>
+          <a:fillRef idx="0">
+            <a:schemeClr val="dk1"/>
+          </a:fillRef>
+          <a:effectRef idx="0">
+            <a:schemeClr val="dk1"/>
+          </a:effectRef>
+          <a:fontRef idx="minor">
+            <a:schemeClr val="tx1"/>
+          </a:fontRef>
+        </p:style>
+      </p:cxnSp>
+      <p:cxnSp>
+        <p:nvCxnSpPr>
+          <p:cNvPr id="9" name="Straight Connector 8">
+            <a:extLst>
+              <a:ext uri="{FF2B5EF4-FFF2-40B4-BE49-F238E27FC236}">
+                <a16:creationId xmlns:a16="http://schemas.microsoft.com/office/drawing/2014/main" id="{58B162EE-DF83-6794-F23C-00512B919EAD}"/>
+              </a:ext>
+            </a:extLst>
+          </p:cNvPr>
+          <p:cNvCxnSpPr>
+            <a:cxnSpLocks/>
+          </p:cNvCxnSpPr>
+          <p:nvPr/>
+        </p:nvCxnSpPr>
+        <p:spPr>
+          <a:xfrm>
+            <a:off x="2612417" y="5362673"/>
+            <a:ext cx="0" cy="596987"/>
+          </a:xfrm>
+          <a:prstGeom prst="line">
+            <a:avLst/>
+          </a:prstGeom>
+          <a:ln/>
+        </p:spPr>
+        <p:style>
+          <a:lnRef idx="1">
+            <a:schemeClr val="dk1"/>
+          </a:lnRef>
+          <a:fillRef idx="0">
+            <a:schemeClr val="dk1"/>
+          </a:fillRef>
+          <a:effectRef idx="0">
+            <a:schemeClr val="dk1"/>
+          </a:effectRef>
+          <a:fontRef idx="minor">
+            <a:schemeClr val="tx1"/>
+          </a:fontRef>
+        </p:style>
+      </p:cxnSp>
+      <p:cxnSp>
+        <p:nvCxnSpPr>
+          <p:cNvPr id="10" name="Straight Connector 9">
+            <a:extLst>
+              <a:ext uri="{FF2B5EF4-FFF2-40B4-BE49-F238E27FC236}">
+                <a16:creationId xmlns:a16="http://schemas.microsoft.com/office/drawing/2014/main" id="{A992FA15-9994-713E-6371-C84E7A384B83}"/>
+              </a:ext>
+            </a:extLst>
+          </p:cNvPr>
+          <p:cNvCxnSpPr>
+            <a:cxnSpLocks/>
+          </p:cNvCxnSpPr>
+          <p:nvPr/>
+        </p:nvCxnSpPr>
+        <p:spPr>
+          <a:xfrm>
+            <a:off x="2612417" y="5362673"/>
+            <a:ext cx="862988" cy="0"/>
+          </a:xfrm>
+          <a:prstGeom prst="line">
+            <a:avLst/>
+          </a:prstGeom>
+          <a:ln/>
+        </p:spPr>
+        <p:style>
+          <a:lnRef idx="1">
+            <a:schemeClr val="dk1"/>
+          </a:lnRef>
+          <a:fillRef idx="0">
+            <a:schemeClr val="dk1"/>
+          </a:fillRef>
+          <a:effectRef idx="0">
+            <a:schemeClr val="dk1"/>
+          </a:effectRef>
+          <a:fontRef idx="minor">
+            <a:schemeClr val="tx1"/>
+          </a:fontRef>
+        </p:style>
+      </p:cxnSp>
+      <p:cxnSp>
+        <p:nvCxnSpPr>
+          <p:cNvPr id="13" name="Straight Connector 12">
+            <a:extLst>
+              <a:ext uri="{FF2B5EF4-FFF2-40B4-BE49-F238E27FC236}">
+                <a16:creationId xmlns:a16="http://schemas.microsoft.com/office/drawing/2014/main" id="{9029B279-F8FD-0018-9C98-6794586D6434}"/>
+              </a:ext>
+            </a:extLst>
+          </p:cNvPr>
+          <p:cNvCxnSpPr>
+            <a:cxnSpLocks/>
+          </p:cNvCxnSpPr>
+          <p:nvPr/>
+        </p:nvCxnSpPr>
+        <p:spPr>
+          <a:xfrm>
+            <a:off x="2612417" y="2202163"/>
+            <a:ext cx="862988" cy="0"/>
+          </a:xfrm>
+          <a:prstGeom prst="line">
+            <a:avLst/>
+          </a:prstGeom>
+          <a:ln/>
+        </p:spPr>
+        <p:style>
+          <a:lnRef idx="1">
+            <a:schemeClr val="dk1"/>
+          </a:lnRef>
+          <a:fillRef idx="0">
+            <a:schemeClr val="dk1"/>
+          </a:fillRef>
+          <a:effectRef idx="0">
+            <a:schemeClr val="dk1"/>
+          </a:effectRef>
+          <a:fontRef idx="minor">
+            <a:schemeClr val="tx1"/>
+          </a:fontRef>
+        </p:style>
+      </p:cxnSp>
+      <p:cxnSp>
+        <p:nvCxnSpPr>
+          <p:cNvPr id="15" name="Straight Arrow Connector 14">
+            <a:extLst>
+              <a:ext uri="{FF2B5EF4-FFF2-40B4-BE49-F238E27FC236}">
+                <a16:creationId xmlns:a16="http://schemas.microsoft.com/office/drawing/2014/main" id="{98FD65C7-37B1-59F3-695B-7C51323BF32E}"/>
+              </a:ext>
+            </a:extLst>
+          </p:cNvPr>
+          <p:cNvCxnSpPr/>
+          <p:nvPr/>
+        </p:nvCxnSpPr>
+        <p:spPr>
+          <a:xfrm>
+            <a:off x="3245291" y="2202163"/>
+            <a:ext cx="0" cy="3160510"/>
+          </a:xfrm>
+          <a:prstGeom prst="straightConnector1">
+            <a:avLst/>
+          </a:prstGeom>
+          <a:ln>
+            <a:solidFill>
+              <a:schemeClr val="tx1"/>
+            </a:solidFill>
+            <a:headEnd type="triangle"/>
+            <a:tailEnd type="triangle"/>
+          </a:ln>
+        </p:spPr>
+        <p:style>
+          <a:lnRef idx="2">
+            <a:schemeClr val="accent1"/>
+          </a:lnRef>
+          <a:fillRef idx="0">
+            <a:schemeClr val="accent1"/>
+          </a:fillRef>
+          <a:effectRef idx="1">
+            <a:schemeClr val="accent1"/>
+          </a:effectRef>
+          <a:fontRef idx="minor">
+            <a:schemeClr val="tx1"/>
+          </a:fontRef>
+        </p:style>
+      </p:cxnSp>
+      <p:cxnSp>
+        <p:nvCxnSpPr>
+          <p:cNvPr id="17" name="Straight Arrow Connector 16">
+            <a:extLst>
+              <a:ext uri="{FF2B5EF4-FFF2-40B4-BE49-F238E27FC236}">
+                <a16:creationId xmlns:a16="http://schemas.microsoft.com/office/drawing/2014/main" id="{0F89A33F-85C1-55C7-84DC-22521BEF663A}"/>
+              </a:ext>
+            </a:extLst>
+          </p:cNvPr>
+          <p:cNvCxnSpPr/>
+          <p:nvPr/>
+        </p:nvCxnSpPr>
+        <p:spPr>
+          <a:xfrm>
+            <a:off x="317212" y="5820381"/>
+            <a:ext cx="2295205" cy="0"/>
+          </a:xfrm>
+          <a:prstGeom prst="straightConnector1">
+            <a:avLst/>
+          </a:prstGeom>
+          <a:ln>
+            <a:solidFill>
+              <a:schemeClr val="tx1"/>
+            </a:solidFill>
+            <a:headEnd type="triangle"/>
+            <a:tailEnd type="triangle"/>
+          </a:ln>
+        </p:spPr>
+        <p:style>
+          <a:lnRef idx="2">
+            <a:schemeClr val="accent1"/>
+          </a:lnRef>
+          <a:fillRef idx="0">
+            <a:schemeClr val="accent1"/>
+          </a:fillRef>
+          <a:effectRef idx="1">
+            <a:schemeClr val="accent1"/>
+          </a:effectRef>
+          <a:fontRef idx="minor">
+            <a:schemeClr val="tx1"/>
+          </a:fontRef>
+        </p:style>
+      </p:cxnSp>
+      <p:sp>
+        <p:nvSpPr>
+          <p:cNvPr id="48" name="TextBox 47">
+            <a:extLst>
+              <a:ext uri="{FF2B5EF4-FFF2-40B4-BE49-F238E27FC236}">
+                <a16:creationId xmlns:a16="http://schemas.microsoft.com/office/drawing/2014/main" id="{ABA7F08C-5EFC-5224-DE3F-1FC4A5725150}"/>
+              </a:ext>
+            </a:extLst>
+          </p:cNvPr>
+          <p:cNvSpPr txBox="1"/>
+          <p:nvPr/>
+        </p:nvSpPr>
+        <p:spPr>
+          <a:xfrm>
+            <a:off x="1142450" y="975907"/>
+            <a:ext cx="1284391" cy="369332"/>
+          </a:xfrm>
+          <a:prstGeom prst="rect">
+            <a:avLst/>
+          </a:prstGeom>
+          <a:noFill/>
+        </p:spPr>
+        <p:txBody>
+          <a:bodyPr wrap="none" rtlCol="0">
+            <a:spAutoFit/>
+          </a:bodyPr>
+          <a:lstStyle/>
+          <a:p>
+            <a:r>
+              <a:rPr lang="en-US" dirty="0"/>
+              <a:t>LibreOffice</a:t>
+            </a:r>
+          </a:p>
+        </p:txBody>
+      </p:sp>
+      <p:pic>
+        <p:nvPicPr>
+          <p:cNvPr id="6" name="Picture 5">
+            <a:extLst>
+              <a:ext uri="{FF2B5EF4-FFF2-40B4-BE49-F238E27FC236}">
+                <a16:creationId xmlns:a16="http://schemas.microsoft.com/office/drawing/2014/main" id="{42E11654-9C18-F31C-7D01-CB9220ED524B}"/>
+              </a:ext>
+            </a:extLst>
+          </p:cNvPr>
+          <p:cNvPicPr>
+            <a:picLocks noChangeAspect="1"/>
+          </p:cNvPicPr>
+          <p:nvPr/>
+        </p:nvPicPr>
+        <p:blipFill>
+          <a:blip r:embed="rId2"/>
+          <a:stretch>
+            <a:fillRect/>
+          </a:stretch>
+        </p:blipFill>
+        <p:spPr>
+          <a:xfrm>
+            <a:off x="3831280" y="116691"/>
+            <a:ext cx="4926445" cy="3235896"/>
+          </a:xfrm>
+          <a:prstGeom prst="rect">
+            <a:avLst/>
+          </a:prstGeom>
+        </p:spPr>
+      </p:pic>
+      <p:pic>
+        <p:nvPicPr>
+          <p:cNvPr id="8" name="Picture 7">
+            <a:extLst>
+              <a:ext uri="{FF2B5EF4-FFF2-40B4-BE49-F238E27FC236}">
+                <a16:creationId xmlns:a16="http://schemas.microsoft.com/office/drawing/2014/main" id="{DC0C48E0-A285-0E06-2095-116FA74DEAAF}"/>
+              </a:ext>
+            </a:extLst>
+          </p:cNvPr>
+          <p:cNvPicPr>
+            <a:picLocks noChangeAspect="1"/>
+          </p:cNvPicPr>
+          <p:nvPr/>
+        </p:nvPicPr>
+        <p:blipFill>
+          <a:blip r:embed="rId3"/>
+          <a:stretch>
+            <a:fillRect/>
+          </a:stretch>
+        </p:blipFill>
+        <p:spPr>
+          <a:xfrm>
+            <a:off x="3831280" y="3637721"/>
+            <a:ext cx="3235739" cy="2912165"/>
+          </a:xfrm>
+          <a:prstGeom prst="rect">
+            <a:avLst/>
+          </a:prstGeom>
+        </p:spPr>
+      </p:pic>
+      <p:pic>
+        <p:nvPicPr>
+          <p:cNvPr id="12" name="Picture 11">
+            <a:extLst>
+              <a:ext uri="{FF2B5EF4-FFF2-40B4-BE49-F238E27FC236}">
+                <a16:creationId xmlns:a16="http://schemas.microsoft.com/office/drawing/2014/main" id="{29436D2E-F3D9-DFC6-5D6F-6EE419016D38}"/>
+              </a:ext>
+            </a:extLst>
+          </p:cNvPr>
+          <p:cNvPicPr>
+            <a:picLocks noChangeAspect="1"/>
+          </p:cNvPicPr>
+          <p:nvPr/>
+        </p:nvPicPr>
+        <p:blipFill>
+          <a:blip r:embed="rId4"/>
+          <a:stretch>
+            <a:fillRect/>
+          </a:stretch>
+        </p:blipFill>
+        <p:spPr>
+          <a:xfrm>
+            <a:off x="7653007" y="3512885"/>
+            <a:ext cx="4160870" cy="3161836"/>
+          </a:xfrm>
+          <a:prstGeom prst="rect">
+            <a:avLst/>
+          </a:prstGeom>
+        </p:spPr>
+      </p:pic>
+      <p:sp>
+        <p:nvSpPr>
+          <p:cNvPr id="14" name="TextBox 13">
+            <a:extLst>
+              <a:ext uri="{FF2B5EF4-FFF2-40B4-BE49-F238E27FC236}">
+                <a16:creationId xmlns:a16="http://schemas.microsoft.com/office/drawing/2014/main" id="{7CC0F1E4-8B28-32F5-9BF8-FD66362C4171}"/>
+              </a:ext>
+            </a:extLst>
+          </p:cNvPr>
+          <p:cNvSpPr txBox="1"/>
+          <p:nvPr/>
+        </p:nvSpPr>
+        <p:spPr>
+          <a:xfrm>
+            <a:off x="1102375" y="5430333"/>
+            <a:ext cx="724878" cy="461665"/>
+          </a:xfrm>
+          <a:prstGeom prst="rect">
+            <a:avLst/>
+          </a:prstGeom>
+          <a:noFill/>
+        </p:spPr>
+        <p:txBody>
+          <a:bodyPr wrap="none" rtlCol="0">
+            <a:spAutoFit/>
+          </a:bodyPr>
+          <a:lstStyle/>
+          <a:p>
+            <a:pPr algn="ctr"/>
+            <a:r>
+              <a:rPr lang="en-US" sz="1200" dirty="0"/>
+              <a:t>162 mm</a:t>
+            </a:r>
+          </a:p>
+          <a:p>
+            <a:pPr algn="ctr"/>
+            <a:r>
+              <a:rPr lang="en-US" sz="1200" dirty="0"/>
+              <a:t>6.38”</a:t>
+            </a:r>
+          </a:p>
+        </p:txBody>
+      </p:sp>
+      <p:sp>
+        <p:nvSpPr>
+          <p:cNvPr id="16" name="TextBox 15">
+            <a:extLst>
+              <a:ext uri="{FF2B5EF4-FFF2-40B4-BE49-F238E27FC236}">
+                <a16:creationId xmlns:a16="http://schemas.microsoft.com/office/drawing/2014/main" id="{171CD646-4755-C010-C3D7-24862364DFC3}"/>
+              </a:ext>
+            </a:extLst>
+          </p:cNvPr>
+          <p:cNvSpPr txBox="1"/>
+          <p:nvPr/>
+        </p:nvSpPr>
+        <p:spPr>
+          <a:xfrm rot="16200000">
+            <a:off x="2714183" y="3551585"/>
+            <a:ext cx="724878" cy="461665"/>
+          </a:xfrm>
+          <a:prstGeom prst="rect">
+            <a:avLst/>
+          </a:prstGeom>
+          <a:noFill/>
+        </p:spPr>
+        <p:txBody>
+          <a:bodyPr wrap="none" rtlCol="0">
+            <a:spAutoFit/>
+          </a:bodyPr>
+          <a:lstStyle/>
+          <a:p>
+            <a:pPr algn="ctr"/>
+            <a:r>
+              <a:rPr lang="en-US" sz="1200" dirty="0"/>
+              <a:t>205 mm</a:t>
+            </a:r>
+          </a:p>
+          <a:p>
+            <a:pPr algn="ctr"/>
+            <a:r>
+              <a:rPr lang="en-US" sz="1200" dirty="0"/>
+              <a:t>8.07”</a:t>
+            </a:r>
+          </a:p>
+        </p:txBody>
+      </p:sp>
+    </p:spTree>
+    <p:extLst>
+      <p:ext uri="{BB962C8B-B14F-4D97-AF65-F5344CB8AC3E}">
+        <p14:creationId xmlns:p14="http://schemas.microsoft.com/office/powerpoint/2010/main" val="3798783333"/>
+      </p:ext>
+    </p:extLst>
+  </p:cSld>
+  <p:clrMapOvr>
+    <a:masterClrMapping/>
+  </p:clrMapOvr>
+</p:sld>
+</file>
+
+<file path=ppt/slides/slide4.xml><?xml version="1.0" encoding="utf-8"?>
+<p:sld xmlns:a="http://schemas.openxmlformats.org/drawingml/2006/main" xmlns:r="http://schemas.openxmlformats.org/officeDocument/2006/relationships" xmlns:p="http://schemas.openxmlformats.org/presentationml/2006/main">
+  <p:cSld>
+    <p:spTree>
+      <p:nvGrpSpPr>
+        <p:cNvPr id="1" name=""/>
+        <p:cNvGrpSpPr/>
+        <p:nvPr/>
+      </p:nvGrpSpPr>
+      <p:grpSpPr>
+        <a:xfrm>
+          <a:off x="0" y="0"/>
+          <a:ext cx="0" cy="0"/>
+          <a:chOff x="0" y="0"/>
+          <a:chExt cx="0" cy="0"/>
+        </a:xfrm>
+      </p:grpSpPr>
+      <p:sp>
+        <p:nvSpPr>
+          <p:cNvPr id="4" name="Rectangle 3">
+            <a:extLst>
+              <a:ext uri="{FF2B5EF4-FFF2-40B4-BE49-F238E27FC236}">
+                <a16:creationId xmlns:a16="http://schemas.microsoft.com/office/drawing/2014/main" id="{8E1FB9B4-FBD9-DAA2-986C-A5EE157FACA9}"/>
+              </a:ext>
+            </a:extLst>
+          </p:cNvPr>
+          <p:cNvSpPr/>
+          <p:nvPr/>
+        </p:nvSpPr>
+        <p:spPr>
+          <a:xfrm>
+            <a:off x="1589420" y="2261798"/>
+            <a:ext cx="2295205" cy="3160510"/>
+          </a:xfrm>
+          <a:prstGeom prst="rect">
+            <a:avLst/>
+          </a:prstGeom>
+          <a:noFill/>
+          <a:ln>
+            <a:solidFill>
+              <a:schemeClr val="tx1"/>
+            </a:solidFill>
+          </a:ln>
+        </p:spPr>
+        <p:style>
+          <a:lnRef idx="2">
+            <a:schemeClr val="accent1">
+              <a:shade val="15000"/>
+            </a:schemeClr>
+          </a:lnRef>
+          <a:fillRef idx="1">
+            <a:schemeClr val="accent1"/>
+          </a:fillRef>
+          <a:effectRef idx="0">
+            <a:schemeClr val="accent1"/>
+          </a:effectRef>
+          <a:fontRef idx="minor">
+            <a:schemeClr val="lt1"/>
+          </a:fontRef>
+        </p:style>
+        <p:txBody>
+          <a:bodyPr rtlCol="0" anchor="ctr"/>
+          <a:lstStyle/>
+          <a:p>
+            <a:pPr algn="ctr"/>
+            <a:endParaRPr lang="en-US"/>
+          </a:p>
+        </p:txBody>
+      </p:sp>
+      <p:cxnSp>
+        <p:nvCxnSpPr>
+          <p:cNvPr id="7" name="Straight Connector 6">
+            <a:extLst>
+              <a:ext uri="{FF2B5EF4-FFF2-40B4-BE49-F238E27FC236}">
+                <a16:creationId xmlns:a16="http://schemas.microsoft.com/office/drawing/2014/main" id="{02A461C3-11F4-2B1E-4D77-DD7C4519B68D}"/>
+              </a:ext>
+            </a:extLst>
+          </p:cNvPr>
+          <p:cNvCxnSpPr>
+            <a:cxnSpLocks/>
+          </p:cNvCxnSpPr>
+          <p:nvPr/>
+        </p:nvCxnSpPr>
+        <p:spPr>
+          <a:xfrm>
+            <a:off x="1595232" y="5422308"/>
+            <a:ext cx="0" cy="596987"/>
+          </a:xfrm>
+          <a:prstGeom prst="line">
+            <a:avLst/>
+          </a:prstGeom>
+          <a:ln/>
+        </p:spPr>
+        <p:style>
+          <a:lnRef idx="1">
+            <a:schemeClr val="dk1"/>
+          </a:lnRef>
+          <a:fillRef idx="0">
+            <a:schemeClr val="dk1"/>
+          </a:fillRef>
+          <a:effectRef idx="0">
+            <a:schemeClr val="dk1"/>
+          </a:effectRef>
+          <a:fontRef idx="minor">
+            <a:schemeClr val="tx1"/>
+          </a:fontRef>
+        </p:style>
+      </p:cxnSp>
+      <p:cxnSp>
+        <p:nvCxnSpPr>
+          <p:cNvPr id="9" name="Straight Connector 8">
+            <a:extLst>
+              <a:ext uri="{FF2B5EF4-FFF2-40B4-BE49-F238E27FC236}">
+                <a16:creationId xmlns:a16="http://schemas.microsoft.com/office/drawing/2014/main" id="{58B162EE-DF83-6794-F23C-00512B919EAD}"/>
+              </a:ext>
+            </a:extLst>
+          </p:cNvPr>
+          <p:cNvCxnSpPr>
+            <a:cxnSpLocks/>
+          </p:cNvCxnSpPr>
+          <p:nvPr/>
+        </p:nvCxnSpPr>
+        <p:spPr>
+          <a:xfrm>
+            <a:off x="3884625" y="5422308"/>
+            <a:ext cx="0" cy="596987"/>
+          </a:xfrm>
+          <a:prstGeom prst="line">
+            <a:avLst/>
+          </a:prstGeom>
+          <a:ln/>
+        </p:spPr>
+        <p:style>
+          <a:lnRef idx="1">
+            <a:schemeClr val="dk1"/>
+          </a:lnRef>
+          <a:fillRef idx="0">
+            <a:schemeClr val="dk1"/>
+          </a:fillRef>
+          <a:effectRef idx="0">
+            <a:schemeClr val="dk1"/>
+          </a:effectRef>
+          <a:fontRef idx="minor">
+            <a:schemeClr val="tx1"/>
+          </a:fontRef>
+        </p:style>
+      </p:cxnSp>
+      <p:cxnSp>
+        <p:nvCxnSpPr>
+          <p:cNvPr id="10" name="Straight Connector 9">
+            <a:extLst>
+              <a:ext uri="{FF2B5EF4-FFF2-40B4-BE49-F238E27FC236}">
+                <a16:creationId xmlns:a16="http://schemas.microsoft.com/office/drawing/2014/main" id="{A992FA15-9994-713E-6371-C84E7A384B83}"/>
+              </a:ext>
+            </a:extLst>
+          </p:cNvPr>
+          <p:cNvCxnSpPr>
+            <a:cxnSpLocks/>
+          </p:cNvCxnSpPr>
+          <p:nvPr/>
+        </p:nvCxnSpPr>
+        <p:spPr>
+          <a:xfrm>
+            <a:off x="3884625" y="5422308"/>
+            <a:ext cx="862988" cy="0"/>
+          </a:xfrm>
+          <a:prstGeom prst="line">
+            <a:avLst/>
+          </a:prstGeom>
+          <a:ln/>
+        </p:spPr>
+        <p:style>
+          <a:lnRef idx="1">
+            <a:schemeClr val="dk1"/>
+          </a:lnRef>
+          <a:fillRef idx="0">
+            <a:schemeClr val="dk1"/>
+          </a:fillRef>
+          <a:effectRef idx="0">
+            <a:schemeClr val="dk1"/>
+          </a:effectRef>
+          <a:fontRef idx="minor">
+            <a:schemeClr val="tx1"/>
+          </a:fontRef>
+        </p:style>
+      </p:cxnSp>
+      <p:cxnSp>
+        <p:nvCxnSpPr>
+          <p:cNvPr id="13" name="Straight Connector 12">
+            <a:extLst>
+              <a:ext uri="{FF2B5EF4-FFF2-40B4-BE49-F238E27FC236}">
+                <a16:creationId xmlns:a16="http://schemas.microsoft.com/office/drawing/2014/main" id="{9029B279-F8FD-0018-9C98-6794586D6434}"/>
+              </a:ext>
+            </a:extLst>
+          </p:cNvPr>
+          <p:cNvCxnSpPr>
+            <a:cxnSpLocks/>
+          </p:cNvCxnSpPr>
+          <p:nvPr/>
+        </p:nvCxnSpPr>
+        <p:spPr>
+          <a:xfrm>
+            <a:off x="3884625" y="2261798"/>
+            <a:ext cx="862988" cy="0"/>
+          </a:xfrm>
+          <a:prstGeom prst="line">
+            <a:avLst/>
+          </a:prstGeom>
+          <a:ln/>
+        </p:spPr>
+        <p:style>
+          <a:lnRef idx="1">
+            <a:schemeClr val="dk1"/>
+          </a:lnRef>
+          <a:fillRef idx="0">
+            <a:schemeClr val="dk1"/>
+          </a:fillRef>
+          <a:effectRef idx="0">
+            <a:schemeClr val="dk1"/>
+          </a:effectRef>
+          <a:fontRef idx="minor">
+            <a:schemeClr val="tx1"/>
+          </a:fontRef>
+        </p:style>
+      </p:cxnSp>
+      <p:cxnSp>
+        <p:nvCxnSpPr>
+          <p:cNvPr id="15" name="Straight Arrow Connector 14">
+            <a:extLst>
+              <a:ext uri="{FF2B5EF4-FFF2-40B4-BE49-F238E27FC236}">
+                <a16:creationId xmlns:a16="http://schemas.microsoft.com/office/drawing/2014/main" id="{98FD65C7-37B1-59F3-695B-7C51323BF32E}"/>
+              </a:ext>
+            </a:extLst>
+          </p:cNvPr>
+          <p:cNvCxnSpPr/>
+          <p:nvPr/>
+        </p:nvCxnSpPr>
+        <p:spPr>
+          <a:xfrm>
+            <a:off x="4517499" y="2261798"/>
+            <a:ext cx="0" cy="3160510"/>
+          </a:xfrm>
+          <a:prstGeom prst="straightConnector1">
+            <a:avLst/>
+          </a:prstGeom>
+          <a:ln>
+            <a:solidFill>
+              <a:schemeClr val="tx1"/>
+            </a:solidFill>
+            <a:headEnd type="triangle"/>
+            <a:tailEnd type="triangle"/>
+          </a:ln>
+        </p:spPr>
+        <p:style>
+          <a:lnRef idx="2">
+            <a:schemeClr val="accent1"/>
+          </a:lnRef>
+          <a:fillRef idx="0">
+            <a:schemeClr val="accent1"/>
+          </a:fillRef>
+          <a:effectRef idx="1">
+            <a:schemeClr val="accent1"/>
+          </a:effectRef>
+          <a:fontRef idx="minor">
+            <a:schemeClr val="tx1"/>
+          </a:fontRef>
+        </p:style>
+      </p:cxnSp>
+      <p:cxnSp>
+        <p:nvCxnSpPr>
+          <p:cNvPr id="17" name="Straight Arrow Connector 16">
+            <a:extLst>
+              <a:ext uri="{FF2B5EF4-FFF2-40B4-BE49-F238E27FC236}">
+                <a16:creationId xmlns:a16="http://schemas.microsoft.com/office/drawing/2014/main" id="{0F89A33F-85C1-55C7-84DC-22521BEF663A}"/>
+              </a:ext>
+            </a:extLst>
+          </p:cNvPr>
+          <p:cNvCxnSpPr/>
+          <p:nvPr/>
+        </p:nvCxnSpPr>
+        <p:spPr>
+          <a:xfrm>
+            <a:off x="1589420" y="5880016"/>
+            <a:ext cx="2295205" cy="0"/>
+          </a:xfrm>
+          <a:prstGeom prst="straightConnector1">
+            <a:avLst/>
+          </a:prstGeom>
+          <a:ln>
+            <a:solidFill>
+              <a:schemeClr val="tx1"/>
+            </a:solidFill>
+            <a:headEnd type="triangle"/>
+            <a:tailEnd type="triangle"/>
+          </a:ln>
+        </p:spPr>
+        <p:style>
+          <a:lnRef idx="2">
+            <a:schemeClr val="accent1"/>
+          </a:lnRef>
+          <a:fillRef idx="0">
+            <a:schemeClr val="accent1"/>
+          </a:fillRef>
+          <a:effectRef idx="1">
+            <a:schemeClr val="accent1"/>
+          </a:effectRef>
+          <a:fontRef idx="minor">
+            <a:schemeClr val="tx1"/>
+          </a:fontRef>
+        </p:style>
+      </p:cxnSp>
+      <p:sp>
+        <p:nvSpPr>
+          <p:cNvPr id="18" name="TextBox 17">
+            <a:extLst>
+              <a:ext uri="{FF2B5EF4-FFF2-40B4-BE49-F238E27FC236}">
+                <a16:creationId xmlns:a16="http://schemas.microsoft.com/office/drawing/2014/main" id="{1AD390F7-A118-DFFC-A3B2-C1FF5A8ECAC2}"/>
+              </a:ext>
+            </a:extLst>
+          </p:cNvPr>
+          <p:cNvSpPr txBox="1"/>
+          <p:nvPr/>
+        </p:nvSpPr>
+        <p:spPr>
+          <a:xfrm>
+            <a:off x="2404143" y="5489968"/>
+            <a:ext cx="724878" cy="461665"/>
+          </a:xfrm>
+          <a:prstGeom prst="rect">
+            <a:avLst/>
+          </a:prstGeom>
+          <a:noFill/>
+        </p:spPr>
+        <p:txBody>
+          <a:bodyPr wrap="none" rtlCol="0">
+            <a:spAutoFit/>
+          </a:bodyPr>
+          <a:lstStyle/>
+          <a:p>
+            <a:pPr algn="ctr"/>
+            <a:r>
+              <a:rPr lang="en-US" sz="1200" dirty="0"/>
+              <a:t>162 mm</a:t>
+            </a:r>
+          </a:p>
+          <a:p>
+            <a:pPr algn="ctr"/>
+            <a:r>
+              <a:rPr lang="en-US" sz="1200" dirty="0"/>
+              <a:t>6.38”</a:t>
+            </a:r>
+          </a:p>
+        </p:txBody>
+      </p:sp>
+      <p:sp>
+        <p:nvSpPr>
+          <p:cNvPr id="19" name="TextBox 18">
+            <a:extLst>
+              <a:ext uri="{FF2B5EF4-FFF2-40B4-BE49-F238E27FC236}">
+                <a16:creationId xmlns:a16="http://schemas.microsoft.com/office/drawing/2014/main" id="{94FBB989-61E2-21ED-7D54-7367CE049234}"/>
+              </a:ext>
+            </a:extLst>
+          </p:cNvPr>
+          <p:cNvSpPr txBox="1"/>
+          <p:nvPr/>
+        </p:nvSpPr>
+        <p:spPr>
+          <a:xfrm rot="16200000">
+            <a:off x="3965893" y="3560606"/>
+            <a:ext cx="724878" cy="461665"/>
+          </a:xfrm>
+          <a:prstGeom prst="rect">
+            <a:avLst/>
+          </a:prstGeom>
+          <a:noFill/>
+        </p:spPr>
+        <p:txBody>
+          <a:bodyPr wrap="none" rtlCol="0">
+            <a:spAutoFit/>
+          </a:bodyPr>
+          <a:lstStyle/>
+          <a:p>
+            <a:pPr algn="ctr"/>
+            <a:r>
+              <a:rPr lang="en-US" sz="1200" dirty="0"/>
+              <a:t>205 mm</a:t>
+            </a:r>
+          </a:p>
+          <a:p>
+            <a:pPr algn="ctr"/>
+            <a:r>
+              <a:rPr lang="en-US" sz="1200" dirty="0"/>
+              <a:t>8.07”</a:t>
+            </a:r>
+          </a:p>
+        </p:txBody>
+      </p:sp>
+      <p:sp>
+        <p:nvSpPr>
+          <p:cNvPr id="2" name="Rectangle 1">
+            <a:extLst>
+              <a:ext uri="{FF2B5EF4-FFF2-40B4-BE49-F238E27FC236}">
+                <a16:creationId xmlns:a16="http://schemas.microsoft.com/office/drawing/2014/main" id="{6E04CCCB-1C65-583A-2831-377F4AB07EB0}"/>
+              </a:ext>
+            </a:extLst>
+          </p:cNvPr>
+          <p:cNvSpPr/>
+          <p:nvPr/>
+        </p:nvSpPr>
+        <p:spPr>
+          <a:xfrm>
+            <a:off x="6096000" y="1255014"/>
+            <a:ext cx="5829935" cy="299720"/>
+          </a:xfrm>
+          <a:prstGeom prst="rect">
+            <a:avLst/>
+          </a:prstGeom>
+          <a:solidFill>
+            <a:schemeClr val="bg2">
+              <a:lumMod val="25000"/>
+            </a:schemeClr>
+          </a:solidFill>
+        </p:spPr>
+        <p:style>
+          <a:lnRef idx="2">
+            <a:schemeClr val="accent1">
+              <a:shade val="15000"/>
+            </a:schemeClr>
+          </a:lnRef>
+          <a:fillRef idx="1">
+            <a:schemeClr val="accent1"/>
+          </a:fillRef>
+          <a:effectRef idx="0">
+            <a:schemeClr val="accent1"/>
+          </a:effectRef>
+          <a:fontRef idx="minor">
+            <a:schemeClr val="lt1"/>
+          </a:fontRef>
+        </p:style>
+        <p:txBody>
+          <a:bodyPr rot="0" spcFirstLastPara="0" vert="horz" wrap="square" lIns="91440" tIns="45720" rIns="91440" bIns="45720" numCol="1" spcCol="0" rtlCol="0" fromWordArt="0" anchor="ctr" anchorCtr="0" forceAA="0" compatLnSpc="1">
+            <a:prstTxWarp prst="textNoShape">
+              <a:avLst/>
+            </a:prstTxWarp>
+            <a:noAutofit/>
+          </a:bodyPr>
+          <a:lstStyle/>
+          <a:p>
+            <a:endParaRPr lang="en-US"/>
+          </a:p>
+        </p:txBody>
+      </p:sp>
+      <p:pic>
+        <p:nvPicPr>
+          <p:cNvPr id="6" name="Picture 5" descr="A logo with a red circle&#10;&#10;Description automatically generated">
+            <a:extLst>
+              <a:ext uri="{FF2B5EF4-FFF2-40B4-BE49-F238E27FC236}">
+                <a16:creationId xmlns:a16="http://schemas.microsoft.com/office/drawing/2014/main" id="{E84A3FE2-5EAE-A469-AC05-D7194C451261}"/>
+              </a:ext>
+            </a:extLst>
+          </p:cNvPr>
+          <p:cNvPicPr>
+            <a:picLocks noChangeAspect="1"/>
+          </p:cNvPicPr>
+          <p:nvPr/>
+        </p:nvPicPr>
+        <p:blipFill>
+          <a:blip r:embed="rId2" cstate="print">
+            <a:extLst>
+              <a:ext uri="{28A0092B-C50C-407E-A947-70E740481C1C}">
+                <a14:useLocalDpi xmlns:a14="http://schemas.microsoft.com/office/drawing/2010/main"/>
+              </a:ext>
+            </a:extLst>
+          </a:blip>
+          <a:stretch>
+            <a:fillRect/>
+          </a:stretch>
+        </p:blipFill>
+        <p:spPr>
+          <a:xfrm>
+            <a:off x="6079435" y="1255014"/>
+            <a:ext cx="299720" cy="299720"/>
+          </a:xfrm>
+          <a:prstGeom prst="rect">
+            <a:avLst/>
+          </a:prstGeom>
+        </p:spPr>
+      </p:pic>
+      <p:sp>
+        <p:nvSpPr>
+          <p:cNvPr id="8" name="Line Callout 1 7">
+            <a:extLst>
+              <a:ext uri="{FF2B5EF4-FFF2-40B4-BE49-F238E27FC236}">
+                <a16:creationId xmlns:a16="http://schemas.microsoft.com/office/drawing/2014/main" id="{F3E7392D-E044-51F3-21B3-23688E82098D}"/>
+              </a:ext>
+            </a:extLst>
+          </p:cNvPr>
+          <p:cNvSpPr/>
+          <p:nvPr/>
+        </p:nvSpPr>
+        <p:spPr>
+          <a:xfrm>
+            <a:off x="7861853" y="347870"/>
+            <a:ext cx="1033669" cy="299720"/>
+          </a:xfrm>
+          <a:prstGeom prst="borderCallout1">
+            <a:avLst>
+              <a:gd name="adj1" fmla="val 18750"/>
+              <a:gd name="adj2" fmla="val -8333"/>
+              <a:gd name="adj3" fmla="val 328049"/>
+              <a:gd name="adj4" fmla="val -79297"/>
+            </a:avLst>
+          </a:prstGeom>
+          <a:solidFill>
+            <a:srgbClr val="3A3A3A"/>
+          </a:solidFill>
+        </p:spPr>
+        <p:style>
+          <a:lnRef idx="2">
+            <a:schemeClr val="accent1">
+              <a:shade val="15000"/>
+            </a:schemeClr>
+          </a:lnRef>
+          <a:fillRef idx="1">
+            <a:schemeClr val="accent1"/>
+          </a:fillRef>
+          <a:effectRef idx="0">
+            <a:schemeClr val="accent1"/>
+          </a:effectRef>
+          <a:fontRef idx="minor">
+            <a:schemeClr val="lt1"/>
+          </a:fontRef>
+        </p:style>
+        <p:txBody>
+          <a:bodyPr rtlCol="0" anchor="ctr"/>
+          <a:lstStyle/>
+          <a:p>
+            <a:pPr algn="ctr"/>
+            <a:r>
+              <a:rPr lang="en-US" dirty="0"/>
+              <a:t>3a3a3a</a:t>
+            </a:r>
+          </a:p>
+        </p:txBody>
+      </p:sp>
+      <p:sp>
+        <p:nvSpPr>
+          <p:cNvPr id="11" name="Line Callout 1 10">
+            <a:extLst>
+              <a:ext uri="{FF2B5EF4-FFF2-40B4-BE49-F238E27FC236}">
+                <a16:creationId xmlns:a16="http://schemas.microsoft.com/office/drawing/2014/main" id="{DA8888BB-D104-23FB-3B9E-16290B9CFBD1}"/>
+              </a:ext>
+            </a:extLst>
+          </p:cNvPr>
+          <p:cNvSpPr/>
+          <p:nvPr/>
+        </p:nvSpPr>
+        <p:spPr>
+          <a:xfrm flipH="1">
+            <a:off x="4330148" y="199234"/>
+            <a:ext cx="1059149" cy="482309"/>
+          </a:xfrm>
+          <a:prstGeom prst="borderCallout1">
+            <a:avLst>
+              <a:gd name="adj1" fmla="val 18750"/>
+              <a:gd name="adj2" fmla="val -8333"/>
+              <a:gd name="adj3" fmla="val 224755"/>
+              <a:gd name="adj4" fmla="val -85002"/>
+            </a:avLst>
+          </a:prstGeom>
+          <a:solidFill>
+            <a:srgbClr val="E30614"/>
+          </a:solidFill>
+        </p:spPr>
+        <p:style>
+          <a:lnRef idx="2">
+            <a:schemeClr val="accent1">
+              <a:shade val="15000"/>
+            </a:schemeClr>
+          </a:lnRef>
+          <a:fillRef idx="1">
+            <a:schemeClr val="accent1"/>
+          </a:fillRef>
+          <a:effectRef idx="0">
+            <a:schemeClr val="accent1"/>
+          </a:effectRef>
+          <a:fontRef idx="minor">
+            <a:schemeClr val="lt1"/>
+          </a:fontRef>
+        </p:style>
+        <p:txBody>
+          <a:bodyPr rtlCol="0" anchor="ctr"/>
+          <a:lstStyle/>
+          <a:p>
+            <a:pPr algn="ctr"/>
+            <a:r>
+              <a:rPr lang="en-US" dirty="0"/>
+              <a:t>e30614</a:t>
+            </a:r>
+          </a:p>
+        </p:txBody>
+      </p:sp>
+      <p:sp>
+        <p:nvSpPr>
+          <p:cNvPr id="12" name="Rectangle 11">
+            <a:extLst>
+              <a:ext uri="{FF2B5EF4-FFF2-40B4-BE49-F238E27FC236}">
+                <a16:creationId xmlns:a16="http://schemas.microsoft.com/office/drawing/2014/main" id="{406BEFA5-0FFA-6A3F-E10A-DCDC425D08B9}"/>
+              </a:ext>
+            </a:extLst>
+          </p:cNvPr>
+          <p:cNvSpPr/>
+          <p:nvPr/>
+        </p:nvSpPr>
+        <p:spPr>
+          <a:xfrm>
+            <a:off x="6111198" y="1899099"/>
+            <a:ext cx="5829935" cy="299720"/>
+          </a:xfrm>
+          <a:prstGeom prst="rect">
+            <a:avLst/>
+          </a:prstGeom>
+          <a:solidFill>
+            <a:srgbClr val="747474"/>
+          </a:solidFill>
+        </p:spPr>
+        <p:style>
+          <a:lnRef idx="2">
+            <a:schemeClr val="accent1">
+              <a:shade val="15000"/>
+            </a:schemeClr>
+          </a:lnRef>
+          <a:fillRef idx="1">
+            <a:schemeClr val="accent1"/>
+          </a:fillRef>
+          <a:effectRef idx="0">
+            <a:schemeClr val="accent1"/>
+          </a:effectRef>
+          <a:fontRef idx="minor">
+            <a:schemeClr val="lt1"/>
+          </a:fontRef>
+        </p:style>
+        <p:txBody>
+          <a:bodyPr rot="0" spcFirstLastPara="0" vert="horz" wrap="square" lIns="91440" tIns="45720" rIns="91440" bIns="45720" numCol="1" spcCol="0" rtlCol="0" fromWordArt="0" anchor="ctr" anchorCtr="0" forceAA="0" compatLnSpc="1">
+            <a:prstTxWarp prst="textNoShape">
+              <a:avLst/>
+            </a:prstTxWarp>
+            <a:noAutofit/>
+          </a:bodyPr>
+          <a:lstStyle/>
+          <a:p>
+            <a:endParaRPr lang="en-US"/>
+          </a:p>
+        </p:txBody>
+      </p:sp>
+      <p:sp>
+        <p:nvSpPr>
+          <p:cNvPr id="14" name="Line Callout 1 13">
+            <a:extLst>
+              <a:ext uri="{FF2B5EF4-FFF2-40B4-BE49-F238E27FC236}">
+                <a16:creationId xmlns:a16="http://schemas.microsoft.com/office/drawing/2014/main" id="{28DAC95D-E9D0-6EDF-EE12-1C11268B0BB2}"/>
+              </a:ext>
+            </a:extLst>
+          </p:cNvPr>
+          <p:cNvSpPr/>
+          <p:nvPr/>
+        </p:nvSpPr>
+        <p:spPr>
+          <a:xfrm flipH="1">
+            <a:off x="5699720" y="2810086"/>
+            <a:ext cx="1059149" cy="482309"/>
+          </a:xfrm>
+          <a:prstGeom prst="borderCallout1">
+            <a:avLst>
+              <a:gd name="adj1" fmla="val 18750"/>
+              <a:gd name="adj2" fmla="val -8333"/>
+              <a:gd name="adj3" fmla="val -146937"/>
+              <a:gd name="adj4" fmla="val -78186"/>
+            </a:avLst>
+          </a:prstGeom>
+          <a:solidFill>
+            <a:srgbClr val="747474"/>
+          </a:solidFill>
+        </p:spPr>
+        <p:style>
+          <a:lnRef idx="2">
+            <a:schemeClr val="accent1">
+              <a:shade val="15000"/>
+            </a:schemeClr>
+          </a:lnRef>
+          <a:fillRef idx="1">
+            <a:schemeClr val="accent1"/>
+          </a:fillRef>
+          <a:effectRef idx="0">
+            <a:schemeClr val="accent1"/>
+          </a:effectRef>
+          <a:fontRef idx="minor">
+            <a:schemeClr val="lt1"/>
+          </a:fontRef>
+        </p:style>
+        <p:txBody>
+          <a:bodyPr rtlCol="0" anchor="ctr"/>
+          <a:lstStyle/>
+          <a:p>
+            <a:pPr algn="ctr"/>
+            <a:r>
+              <a:rPr lang="en-US" dirty="0"/>
+              <a:t>747474</a:t>
+            </a:r>
+          </a:p>
+        </p:txBody>
+      </p:sp>
+      <p:sp>
+        <p:nvSpPr>
+          <p:cNvPr id="16" name="Rectangle 15">
+            <a:extLst>
+              <a:ext uri="{FF2B5EF4-FFF2-40B4-BE49-F238E27FC236}">
+                <a16:creationId xmlns:a16="http://schemas.microsoft.com/office/drawing/2014/main" id="{EADC1432-E950-9814-2B09-CFB0BAA73699}"/>
+              </a:ext>
+            </a:extLst>
+          </p:cNvPr>
+          <p:cNvSpPr/>
+          <p:nvPr/>
+        </p:nvSpPr>
+        <p:spPr>
+          <a:xfrm>
+            <a:off x="11074166" y="2810086"/>
+            <a:ext cx="270510" cy="767715"/>
+          </a:xfrm>
+          <a:prstGeom prst="rect">
+            <a:avLst/>
+          </a:prstGeom>
+          <a:solidFill>
+            <a:schemeClr val="bg1">
+              <a:lumMod val="65000"/>
+            </a:schemeClr>
+          </a:solidFill>
+        </p:spPr>
+        <p:style>
+          <a:lnRef idx="2">
+            <a:schemeClr val="accent1">
+              <a:shade val="15000"/>
+            </a:schemeClr>
+          </a:lnRef>
+          <a:fillRef idx="1">
+            <a:schemeClr val="accent1"/>
+          </a:fillRef>
+          <a:effectRef idx="0">
+            <a:schemeClr val="accent1"/>
+          </a:effectRef>
+          <a:fontRef idx="minor">
+            <a:schemeClr val="lt1"/>
+          </a:fontRef>
+        </p:style>
+        <p:txBody>
+          <a:bodyPr rot="0" spcFirstLastPara="0" vert="horz" wrap="square" lIns="91440" tIns="45720" rIns="91440" bIns="45720" numCol="1" spcCol="0" rtlCol="0" fromWordArt="0" anchor="ctr" anchorCtr="0" forceAA="0" compatLnSpc="1">
+            <a:prstTxWarp prst="textNoShape">
+              <a:avLst/>
+            </a:prstTxWarp>
+            <a:noAutofit/>
+          </a:bodyPr>
+          <a:lstStyle/>
+          <a:p>
+            <a:pPr marL="0" marR="0" algn="ctr">
+              <a:spcBef>
+                <a:spcPts val="0"/>
+              </a:spcBef>
+              <a:spcAft>
+                <a:spcPts val="0"/>
+              </a:spcAft>
+            </a:pPr>
+            <a:r>
+              <a:rPr lang="hu-HU" sz="1200" kern="100">
+                <a:solidFill>
+                  <a:srgbClr val="000000"/>
+                </a:solidFill>
+                <a:effectLst/>
+                <a:ea typeface="Times New Roman" panose="02020603050405020304" pitchFamily="18" charset="0"/>
+                <a:cs typeface="Times New Roman" panose="02020603050405020304" pitchFamily="18" charset="0"/>
+              </a:rPr>
+              <a:t>9</a:t>
+            </a:r>
+            <a:endParaRPr lang="en-US" sz="1200" kern="100">
+              <a:effectLst/>
+              <a:ea typeface="Times New Roman" panose="02020603050405020304" pitchFamily="18" charset="0"/>
+              <a:cs typeface="Times New Roman" panose="02020603050405020304" pitchFamily="18" charset="0"/>
+            </a:endParaRPr>
+          </a:p>
+        </p:txBody>
+      </p:sp>
+      <p:sp>
+        <p:nvSpPr>
+          <p:cNvPr id="20" name="Line Callout 1 19">
+            <a:extLst>
+              <a:ext uri="{FF2B5EF4-FFF2-40B4-BE49-F238E27FC236}">
+                <a16:creationId xmlns:a16="http://schemas.microsoft.com/office/drawing/2014/main" id="{D2AF5E85-0A4A-CFBC-D963-12F71B19C6F2}"/>
+              </a:ext>
+            </a:extLst>
+          </p:cNvPr>
+          <p:cNvSpPr/>
+          <p:nvPr/>
+        </p:nvSpPr>
+        <p:spPr>
+          <a:xfrm flipH="1">
+            <a:off x="9249035" y="4153878"/>
+            <a:ext cx="1059149" cy="482309"/>
+          </a:xfrm>
+          <a:prstGeom prst="borderCallout1">
+            <a:avLst>
+              <a:gd name="adj1" fmla="val 18750"/>
+              <a:gd name="adj2" fmla="val -8333"/>
+              <a:gd name="adj3" fmla="val -146937"/>
+              <a:gd name="adj4" fmla="val -78186"/>
+            </a:avLst>
+          </a:prstGeom>
+          <a:solidFill>
+            <a:srgbClr val="A6A6A6"/>
+          </a:solidFill>
+        </p:spPr>
+        <p:style>
+          <a:lnRef idx="2">
+            <a:schemeClr val="accent1">
+              <a:shade val="15000"/>
+            </a:schemeClr>
+          </a:lnRef>
+          <a:fillRef idx="1">
+            <a:schemeClr val="accent1"/>
+          </a:fillRef>
+          <a:effectRef idx="0">
+            <a:schemeClr val="accent1"/>
+          </a:effectRef>
+          <a:fontRef idx="minor">
+            <a:schemeClr val="lt1"/>
+          </a:fontRef>
+        </p:style>
+        <p:txBody>
+          <a:bodyPr rtlCol="0" anchor="ctr"/>
+          <a:lstStyle/>
+          <a:p>
+            <a:pPr algn="ctr"/>
+            <a:r>
+              <a:rPr lang="en-US" dirty="0"/>
+              <a:t>a6a6a6</a:t>
+            </a:r>
+          </a:p>
+        </p:txBody>
+      </p:sp>
+      <p:cxnSp>
+        <p:nvCxnSpPr>
+          <p:cNvPr id="22" name="Straight Connector 21">
+            <a:extLst>
+              <a:ext uri="{FF2B5EF4-FFF2-40B4-BE49-F238E27FC236}">
+                <a16:creationId xmlns:a16="http://schemas.microsoft.com/office/drawing/2014/main" id="{D97F2D3A-35D6-C532-BACF-DEF29B34BBB6}"/>
+              </a:ext>
+            </a:extLst>
+          </p:cNvPr>
+          <p:cNvCxnSpPr>
+            <a:cxnSpLocks/>
+          </p:cNvCxnSpPr>
+          <p:nvPr/>
+        </p:nvCxnSpPr>
+        <p:spPr>
+          <a:xfrm flipH="1">
+            <a:off x="5664257" y="1293277"/>
+            <a:ext cx="450961" cy="0"/>
+          </a:xfrm>
+          <a:prstGeom prst="line">
+            <a:avLst/>
+          </a:prstGeom>
+        </p:spPr>
+        <p:style>
+          <a:lnRef idx="1">
+            <a:schemeClr val="dk1"/>
+          </a:lnRef>
+          <a:fillRef idx="0">
+            <a:schemeClr val="dk1"/>
+          </a:fillRef>
+          <a:effectRef idx="0">
+            <a:schemeClr val="dk1"/>
+          </a:effectRef>
+          <a:fontRef idx="minor">
+            <a:schemeClr val="tx1"/>
+          </a:fontRef>
+        </p:style>
+      </p:cxnSp>
+      <p:cxnSp>
+        <p:nvCxnSpPr>
+          <p:cNvPr id="23" name="Straight Connector 22">
+            <a:extLst>
+              <a:ext uri="{FF2B5EF4-FFF2-40B4-BE49-F238E27FC236}">
+                <a16:creationId xmlns:a16="http://schemas.microsoft.com/office/drawing/2014/main" id="{4D93E799-DE4E-91C2-0945-62F8129817E9}"/>
+              </a:ext>
+            </a:extLst>
+          </p:cNvPr>
+          <p:cNvCxnSpPr>
+            <a:cxnSpLocks/>
+          </p:cNvCxnSpPr>
+          <p:nvPr/>
+        </p:nvCxnSpPr>
+        <p:spPr>
+          <a:xfrm flipH="1">
+            <a:off x="5664257" y="1512763"/>
+            <a:ext cx="450961" cy="0"/>
+          </a:xfrm>
+          <a:prstGeom prst="line">
+            <a:avLst/>
+          </a:prstGeom>
+        </p:spPr>
+        <p:style>
+          <a:lnRef idx="1">
+            <a:schemeClr val="dk1"/>
+          </a:lnRef>
+          <a:fillRef idx="0">
+            <a:schemeClr val="dk1"/>
+          </a:fillRef>
+          <a:effectRef idx="0">
+            <a:schemeClr val="dk1"/>
+          </a:effectRef>
+          <a:fontRef idx="minor">
+            <a:schemeClr val="tx1"/>
+          </a:fontRef>
+        </p:style>
+      </p:cxnSp>
+      <p:cxnSp>
+        <p:nvCxnSpPr>
+          <p:cNvPr id="24" name="Straight Connector 23">
+            <a:extLst>
+              <a:ext uri="{FF2B5EF4-FFF2-40B4-BE49-F238E27FC236}">
+                <a16:creationId xmlns:a16="http://schemas.microsoft.com/office/drawing/2014/main" id="{2C5E6089-38BA-7569-F6AC-B3E2AEB13043}"/>
+              </a:ext>
+            </a:extLst>
+          </p:cNvPr>
+          <p:cNvCxnSpPr>
+            <a:cxnSpLocks/>
+          </p:cNvCxnSpPr>
+          <p:nvPr/>
+        </p:nvCxnSpPr>
+        <p:spPr>
+          <a:xfrm>
+            <a:off x="5821703" y="1066171"/>
+            <a:ext cx="0" cy="1112712"/>
+          </a:xfrm>
+          <a:prstGeom prst="line">
+            <a:avLst/>
+          </a:prstGeom>
+        </p:spPr>
+        <p:style>
+          <a:lnRef idx="1">
+            <a:schemeClr val="dk1"/>
+          </a:lnRef>
+          <a:fillRef idx="0">
+            <a:schemeClr val="dk1"/>
+          </a:fillRef>
+          <a:effectRef idx="0">
+            <a:schemeClr val="dk1"/>
+          </a:effectRef>
+          <a:fontRef idx="minor">
+            <a:schemeClr val="tx1"/>
+          </a:fontRef>
+        </p:style>
+      </p:cxnSp>
+      <p:cxnSp>
+        <p:nvCxnSpPr>
+          <p:cNvPr id="25" name="Straight Arrow Connector 24">
+            <a:extLst>
+              <a:ext uri="{FF2B5EF4-FFF2-40B4-BE49-F238E27FC236}">
+                <a16:creationId xmlns:a16="http://schemas.microsoft.com/office/drawing/2014/main" id="{54D8AEF4-5DB1-D4BF-BA9C-ECB5E931DC2C}"/>
+              </a:ext>
+            </a:extLst>
+          </p:cNvPr>
+          <p:cNvCxnSpPr>
+            <a:cxnSpLocks/>
+          </p:cNvCxnSpPr>
+          <p:nvPr/>
+        </p:nvCxnSpPr>
+        <p:spPr>
+          <a:xfrm flipV="1">
+            <a:off x="5821703" y="1512763"/>
+            <a:ext cx="0" cy="581340"/>
+          </a:xfrm>
+          <a:prstGeom prst="straightConnector1">
+            <a:avLst/>
+          </a:prstGeom>
+          <a:ln>
+            <a:tailEnd type="triangle"/>
+          </a:ln>
+        </p:spPr>
+        <p:style>
+          <a:lnRef idx="2">
+            <a:schemeClr val="dk1"/>
+          </a:lnRef>
+          <a:fillRef idx="0">
+            <a:schemeClr val="dk1"/>
+          </a:fillRef>
+          <a:effectRef idx="1">
+            <a:schemeClr val="dk1"/>
+          </a:effectRef>
+          <a:fontRef idx="minor">
+            <a:schemeClr val="tx1"/>
+          </a:fontRef>
+        </p:style>
+      </p:cxnSp>
+      <p:cxnSp>
+        <p:nvCxnSpPr>
+          <p:cNvPr id="27" name="Straight Arrow Connector 26">
+            <a:extLst>
+              <a:ext uri="{FF2B5EF4-FFF2-40B4-BE49-F238E27FC236}">
+                <a16:creationId xmlns:a16="http://schemas.microsoft.com/office/drawing/2014/main" id="{371FEEC2-832E-41C4-6263-EDA59AB820D1}"/>
+              </a:ext>
+            </a:extLst>
+          </p:cNvPr>
+          <p:cNvCxnSpPr>
+            <a:cxnSpLocks/>
+          </p:cNvCxnSpPr>
+          <p:nvPr/>
+        </p:nvCxnSpPr>
+        <p:spPr>
+          <a:xfrm>
+            <a:off x="5828100" y="1044996"/>
+            <a:ext cx="0" cy="248281"/>
+          </a:xfrm>
+          <a:prstGeom prst="straightConnector1">
+            <a:avLst/>
+          </a:prstGeom>
+          <a:ln>
+            <a:tailEnd type="triangle"/>
+          </a:ln>
+        </p:spPr>
+        <p:style>
+          <a:lnRef idx="2">
+            <a:schemeClr val="dk1"/>
+          </a:lnRef>
+          <a:fillRef idx="0">
+            <a:schemeClr val="dk1"/>
+          </a:fillRef>
+          <a:effectRef idx="1">
+            <a:schemeClr val="dk1"/>
+          </a:effectRef>
+          <a:fontRef idx="minor">
+            <a:schemeClr val="tx1"/>
+          </a:fontRef>
+        </p:style>
+      </p:cxnSp>
+      <p:sp>
+        <p:nvSpPr>
+          <p:cNvPr id="28" name="TextBox 27">
+            <a:extLst>
+              <a:ext uri="{FF2B5EF4-FFF2-40B4-BE49-F238E27FC236}">
+                <a16:creationId xmlns:a16="http://schemas.microsoft.com/office/drawing/2014/main" id="{A35B7DA2-9113-A93A-0621-BEC2B7178D0D}"/>
+              </a:ext>
+            </a:extLst>
+          </p:cNvPr>
+          <p:cNvSpPr txBox="1"/>
+          <p:nvPr/>
+        </p:nvSpPr>
+        <p:spPr>
+          <a:xfrm rot="16200000">
+            <a:off x="5226635" y="1668266"/>
+            <a:ext cx="849913" cy="461665"/>
+          </a:xfrm>
+          <a:prstGeom prst="rect">
+            <a:avLst/>
+          </a:prstGeom>
+          <a:noFill/>
+        </p:spPr>
+        <p:txBody>
+          <a:bodyPr wrap="none" rtlCol="0">
+            <a:spAutoFit/>
+          </a:bodyPr>
+          <a:lstStyle/>
+          <a:p>
+            <a:pPr algn="ctr"/>
+            <a:r>
+              <a:rPr lang="en-US" sz="1200" dirty="0"/>
+              <a:t>11.18 mm</a:t>
+            </a:r>
+          </a:p>
+          <a:p>
+            <a:pPr algn="ctr"/>
+            <a:r>
+              <a:rPr lang="en-US" sz="1200" dirty="0"/>
+              <a:t>0.44”</a:t>
+            </a:r>
+          </a:p>
+        </p:txBody>
+      </p:sp>
+      <p:sp>
+        <p:nvSpPr>
+          <p:cNvPr id="29" name="Rectangle 28">
+            <a:extLst>
+              <a:ext uri="{FF2B5EF4-FFF2-40B4-BE49-F238E27FC236}">
+                <a16:creationId xmlns:a16="http://schemas.microsoft.com/office/drawing/2014/main" id="{C0527788-78DC-9666-AF6C-151213A9BE4B}"/>
+              </a:ext>
+            </a:extLst>
+          </p:cNvPr>
+          <p:cNvSpPr/>
+          <p:nvPr/>
+        </p:nvSpPr>
+        <p:spPr>
+          <a:xfrm>
+            <a:off x="6379155" y="4932948"/>
+            <a:ext cx="1295339" cy="489360"/>
+          </a:xfrm>
+          <a:prstGeom prst="rect">
+            <a:avLst/>
+          </a:prstGeom>
+        </p:spPr>
+        <p:style>
+          <a:lnRef idx="2">
+            <a:schemeClr val="accent1">
+              <a:shade val="15000"/>
+            </a:schemeClr>
+          </a:lnRef>
+          <a:fillRef idx="1">
+            <a:schemeClr val="accent1"/>
+          </a:fillRef>
+          <a:effectRef idx="0">
+            <a:schemeClr val="accent1"/>
+          </a:effectRef>
+          <a:fontRef idx="minor">
+            <a:schemeClr val="lt1"/>
+          </a:fontRef>
+        </p:style>
+        <p:txBody>
+          <a:bodyPr rtlCol="0" anchor="ctr"/>
+          <a:lstStyle/>
+          <a:p>
+            <a:pPr algn="ctr"/>
+            <a:r>
+              <a:rPr lang="en-US" dirty="0"/>
+              <a:t>00818C</a:t>
+            </a:r>
+          </a:p>
+        </p:txBody>
+      </p:sp>
+      <p:sp>
+        <p:nvSpPr>
+          <p:cNvPr id="30" name="Pentagon 29">
+            <a:extLst>
+              <a:ext uri="{FF2B5EF4-FFF2-40B4-BE49-F238E27FC236}">
+                <a16:creationId xmlns:a16="http://schemas.microsoft.com/office/drawing/2014/main" id="{ACBEC995-14E7-C96A-42A2-A4FA30DD63CA}"/>
+              </a:ext>
+            </a:extLst>
+          </p:cNvPr>
+          <p:cNvSpPr/>
+          <p:nvPr/>
+        </p:nvSpPr>
+        <p:spPr>
+          <a:xfrm rot="5400000">
+            <a:off x="3505048" y="2340022"/>
+            <a:ext cx="365132" cy="208682"/>
+          </a:xfrm>
+          <a:prstGeom prst="homePlate">
+            <a:avLst/>
+          </a:prstGeom>
+        </p:spPr>
+        <p:style>
+          <a:lnRef idx="2">
+            <a:schemeClr val="accent1">
+              <a:shade val="15000"/>
+            </a:schemeClr>
+          </a:lnRef>
+          <a:fillRef idx="1">
+            <a:schemeClr val="accent1"/>
+          </a:fillRef>
+          <a:effectRef idx="0">
+            <a:schemeClr val="accent1"/>
+          </a:effectRef>
+          <a:fontRef idx="minor">
+            <a:schemeClr val="lt1"/>
+          </a:fontRef>
+        </p:style>
+        <p:txBody>
+          <a:bodyPr rtlCol="0" anchor="ctr"/>
+          <a:lstStyle/>
+          <a:p>
+            <a:pPr algn="ctr"/>
+            <a:endParaRPr lang="en-US"/>
+          </a:p>
+        </p:txBody>
+      </p:sp>
+    </p:spTree>
+    <p:extLst>
+      <p:ext uri="{BB962C8B-B14F-4D97-AF65-F5344CB8AC3E}">
+        <p14:creationId xmlns:p14="http://schemas.microsoft.com/office/powerpoint/2010/main" val="363159366"/>
       </p:ext>
     </p:extLst>
   </p:cSld>
